--- a/docs/Final Presentation.pptx
+++ b/docs/Final Presentation.pptx
@@ -12,8 +12,9 @@
     <p:sldId id="259" r:id="rId6"/>
     <p:sldId id="260" r:id="rId7"/>
     <p:sldId id="262" r:id="rId8"/>
-    <p:sldId id="263" r:id="rId9"/>
-    <p:sldId id="264" r:id="rId10"/>
+    <p:sldId id="265" r:id="rId9"/>
+    <p:sldId id="263" r:id="rId10"/>
+    <p:sldId id="264" r:id="rId11"/>
   </p:sldIdLst>
   <p:sldSz cx="12192000" cy="6858000"/>
   <p:notesSz cx="6858000" cy="9144000"/>
@@ -112,6 +113,11 @@
       </a:defRPr>
     </a:lvl9pPr>
   </p:defaultTextStyle>
+  <p:extLst>
+    <p:ext uri="{EFAFB233-063F-42B5-8137-9DF3F51BA10A}">
+      <p15:sldGuideLst xmlns:p15="http://schemas.microsoft.com/office/powerpoint/2012/main"/>
+    </p:ext>
+  </p:extLst>
 </p:presentation>
 </file>
 
@@ -165,7 +171,7 @@
           <a:noFill/>
           <a:extLst>
             <a:ext uri="{909E8E84-426E-40dd-AFC4-6F175D3DCCD1}">
-              <a14:hiddenFill xmlns:a14="http://schemas.microsoft.com/office/drawing/2010/main" xmlns="">
+              <a14:hiddenFill xmlns="" xmlns:a14="http://schemas.microsoft.com/office/drawing/2010/main">
                 <a:solidFill>
                   <a:srgbClr val="FFFFFF"/>
                 </a:solidFill>
@@ -225,7 +231,7 @@
             </a:ln>
             <a:extLst>
               <a:ext uri="{91240B29-F687-4f45-9708-019B960494DF}">
-                <a14:hiddenLine xmlns:a14="http://schemas.microsoft.com/office/drawing/2010/main" xmlns="" w="9525">
+                <a14:hiddenLine xmlns="" xmlns:a14="http://schemas.microsoft.com/office/drawing/2010/main" w="9525">
                   <a:solidFill>
                     <a:srgbClr val="000000"/>
                   </a:solidFill>
@@ -315,7 +321,7 @@
             </a:ln>
             <a:extLst>
               <a:ext uri="{91240B29-F687-4f45-9708-019B960494DF}">
-                <a14:hiddenLine xmlns:a14="http://schemas.microsoft.com/office/drawing/2010/main" xmlns="" w="9525">
+                <a14:hiddenLine xmlns="" xmlns:a14="http://schemas.microsoft.com/office/drawing/2010/main" w="9525">
                   <a:solidFill>
                     <a:srgbClr val="000000"/>
                   </a:solidFill>
@@ -405,7 +411,7 @@
             </a:ln>
             <a:extLst>
               <a:ext uri="{91240B29-F687-4f45-9708-019B960494DF}">
-                <a14:hiddenLine xmlns:a14="http://schemas.microsoft.com/office/drawing/2010/main" xmlns="" w="9525">
+                <a14:hiddenLine xmlns="" xmlns:a14="http://schemas.microsoft.com/office/drawing/2010/main" w="9525">
                   <a:solidFill>
                     <a:srgbClr val="000000"/>
                   </a:solidFill>
@@ -439,7 +445,7 @@
             </a:ln>
             <a:extLst>
               <a:ext uri="{91240B29-F687-4f45-9708-019B960494DF}">
-                <a14:hiddenLine xmlns:a14="http://schemas.microsoft.com/office/drawing/2010/main" xmlns="" w="9525">
+                <a14:hiddenLine xmlns="" xmlns:a14="http://schemas.microsoft.com/office/drawing/2010/main" w="9525">
                   <a:solidFill>
                     <a:srgbClr val="000000"/>
                   </a:solidFill>
@@ -529,7 +535,7 @@
             </a:ln>
             <a:extLst>
               <a:ext uri="{91240B29-F687-4f45-9708-019B960494DF}">
-                <a14:hiddenLine xmlns:a14="http://schemas.microsoft.com/office/drawing/2010/main" xmlns="" w="9525">
+                <a14:hiddenLine xmlns="" xmlns:a14="http://schemas.microsoft.com/office/drawing/2010/main" w="9525">
                   <a:solidFill>
                     <a:srgbClr val="000000"/>
                   </a:solidFill>
@@ -591,7 +597,7 @@
             </a:ln>
             <a:extLst>
               <a:ext uri="{91240B29-F687-4f45-9708-019B960494DF}">
-                <a14:hiddenLine xmlns:a14="http://schemas.microsoft.com/office/drawing/2010/main" xmlns="" w="9525">
+                <a14:hiddenLine xmlns="" xmlns:a14="http://schemas.microsoft.com/office/drawing/2010/main" w="9525">
                   <a:solidFill>
                     <a:srgbClr val="000000"/>
                   </a:solidFill>
@@ -653,7 +659,7 @@
             </a:ln>
             <a:extLst>
               <a:ext uri="{91240B29-F687-4f45-9708-019B960494DF}">
-                <a14:hiddenLine xmlns:a14="http://schemas.microsoft.com/office/drawing/2010/main" xmlns="" w="9525">
+                <a14:hiddenLine xmlns="" xmlns:a14="http://schemas.microsoft.com/office/drawing/2010/main" w="9525">
                   <a:solidFill>
                     <a:srgbClr val="000000"/>
                   </a:solidFill>
@@ -743,7 +749,7 @@
             </a:ln>
             <a:extLst>
               <a:ext uri="{91240B29-F687-4f45-9708-019B960494DF}">
-                <a14:hiddenLine xmlns:a14="http://schemas.microsoft.com/office/drawing/2010/main" xmlns="" w="9525">
+                <a14:hiddenLine xmlns="" xmlns:a14="http://schemas.microsoft.com/office/drawing/2010/main" w="9525">
                   <a:solidFill>
                     <a:srgbClr val="000000"/>
                   </a:solidFill>
@@ -805,7 +811,7 @@
             </a:ln>
             <a:extLst>
               <a:ext uri="{91240B29-F687-4f45-9708-019B960494DF}">
-                <a14:hiddenLine xmlns:a14="http://schemas.microsoft.com/office/drawing/2010/main" xmlns="" w="9525">
+                <a14:hiddenLine xmlns="" xmlns:a14="http://schemas.microsoft.com/office/drawing/2010/main" w="9525">
                   <a:solidFill>
                     <a:srgbClr val="000000"/>
                   </a:solidFill>
@@ -867,7 +873,7 @@
             </a:ln>
             <a:extLst>
               <a:ext uri="{91240B29-F687-4f45-9708-019B960494DF}">
-                <a14:hiddenLine xmlns:a14="http://schemas.microsoft.com/office/drawing/2010/main" xmlns="" w="9525">
+                <a14:hiddenLine xmlns="" xmlns:a14="http://schemas.microsoft.com/office/drawing/2010/main" w="9525">
                   <a:solidFill>
                     <a:srgbClr val="000000"/>
                   </a:solidFill>
@@ -957,7 +963,7 @@
             </a:ln>
             <a:extLst>
               <a:ext uri="{91240B29-F687-4f45-9708-019B960494DF}">
-                <a14:hiddenLine xmlns:a14="http://schemas.microsoft.com/office/drawing/2010/main" xmlns="" w="9525">
+                <a14:hiddenLine xmlns="" xmlns:a14="http://schemas.microsoft.com/office/drawing/2010/main" w="9525">
                   <a:solidFill>
                     <a:srgbClr val="000000"/>
                   </a:solidFill>
@@ -1047,7 +1053,7 @@
             </a:ln>
             <a:extLst>
               <a:ext uri="{91240B29-F687-4f45-9708-019B960494DF}">
-                <a14:hiddenLine xmlns:a14="http://schemas.microsoft.com/office/drawing/2010/main" xmlns="" w="9525">
+                <a14:hiddenLine xmlns="" xmlns:a14="http://schemas.microsoft.com/office/drawing/2010/main" w="9525">
                   <a:solidFill>
                     <a:srgbClr val="000000"/>
                   </a:solidFill>
@@ -1109,7 +1115,7 @@
             </a:ln>
             <a:extLst>
               <a:ext uri="{91240B29-F687-4f45-9708-019B960494DF}">
-                <a14:hiddenLine xmlns:a14="http://schemas.microsoft.com/office/drawing/2010/main" xmlns="" w="9525">
+                <a14:hiddenLine xmlns="" xmlns:a14="http://schemas.microsoft.com/office/drawing/2010/main" w="9525">
                   <a:solidFill>
                     <a:srgbClr val="000000"/>
                   </a:solidFill>
@@ -1219,7 +1225,7 @@
             </a:ln>
             <a:extLst>
               <a:ext uri="{91240B29-F687-4f45-9708-019B960494DF}">
-                <a14:hiddenLine xmlns:a14="http://schemas.microsoft.com/office/drawing/2010/main" xmlns="" w="9525">
+                <a14:hiddenLine xmlns="" xmlns:a14="http://schemas.microsoft.com/office/drawing/2010/main" w="9525">
                   <a:solidFill>
                     <a:srgbClr val="000000"/>
                   </a:solidFill>
@@ -1281,7 +1287,7 @@
             </a:ln>
             <a:extLst>
               <a:ext uri="{91240B29-F687-4f45-9708-019B960494DF}">
-                <a14:hiddenLine xmlns:a14="http://schemas.microsoft.com/office/drawing/2010/main" xmlns="" w="9525">
+                <a14:hiddenLine xmlns="" xmlns:a14="http://schemas.microsoft.com/office/drawing/2010/main" w="9525">
                   <a:solidFill>
                     <a:srgbClr val="000000"/>
                   </a:solidFill>
@@ -1371,7 +1377,7 @@
             </a:ln>
             <a:extLst>
               <a:ext uri="{91240B29-F687-4f45-9708-019B960494DF}">
-                <a14:hiddenLine xmlns:a14="http://schemas.microsoft.com/office/drawing/2010/main" xmlns="" w="9525">
+                <a14:hiddenLine xmlns="" xmlns:a14="http://schemas.microsoft.com/office/drawing/2010/main" w="9525">
                   <a:solidFill>
                     <a:srgbClr val="000000"/>
                   </a:solidFill>
@@ -1461,7 +1467,7 @@
             </a:ln>
             <a:extLst>
               <a:ext uri="{91240B29-F687-4f45-9708-019B960494DF}">
-                <a14:hiddenLine xmlns:a14="http://schemas.microsoft.com/office/drawing/2010/main" xmlns="" w="9525">
+                <a14:hiddenLine xmlns="" xmlns:a14="http://schemas.microsoft.com/office/drawing/2010/main" w="9525">
                   <a:solidFill>
                     <a:srgbClr val="000000"/>
                   </a:solidFill>
@@ -1523,7 +1529,7 @@
             </a:ln>
             <a:extLst>
               <a:ext uri="{91240B29-F687-4f45-9708-019B960494DF}">
-                <a14:hiddenLine xmlns:a14="http://schemas.microsoft.com/office/drawing/2010/main" xmlns="" w="9525">
+                <a14:hiddenLine xmlns="" xmlns:a14="http://schemas.microsoft.com/office/drawing/2010/main" w="9525">
                   <a:solidFill>
                     <a:srgbClr val="000000"/>
                   </a:solidFill>
@@ -1613,7 +1619,7 @@
             </a:ln>
             <a:extLst>
               <a:ext uri="{91240B29-F687-4f45-9708-019B960494DF}">
-                <a14:hiddenLine xmlns:a14="http://schemas.microsoft.com/office/drawing/2010/main" xmlns="" w="9525">
+                <a14:hiddenLine xmlns="" xmlns:a14="http://schemas.microsoft.com/office/drawing/2010/main" w="9525">
                   <a:solidFill>
                     <a:srgbClr val="000000"/>
                   </a:solidFill>
@@ -1703,7 +1709,7 @@
             </a:ln>
             <a:extLst>
               <a:ext uri="{91240B29-F687-4f45-9708-019B960494DF}">
-                <a14:hiddenLine xmlns:a14="http://schemas.microsoft.com/office/drawing/2010/main" xmlns="" w="9525">
+                <a14:hiddenLine xmlns="" xmlns:a14="http://schemas.microsoft.com/office/drawing/2010/main" w="9525">
                   <a:solidFill>
                     <a:srgbClr val="000000"/>
                   </a:solidFill>
@@ -1759,7 +1765,7 @@
             </a:ln>
             <a:extLst>
               <a:ext uri="{91240B29-F687-4f45-9708-019B960494DF}">
-                <a14:hiddenLine xmlns:a14="http://schemas.microsoft.com/office/drawing/2010/main" xmlns="" w="9525">
+                <a14:hiddenLine xmlns="" xmlns:a14="http://schemas.microsoft.com/office/drawing/2010/main" w="9525">
                   <a:solidFill>
                     <a:srgbClr val="000000"/>
                   </a:solidFill>
@@ -1849,7 +1855,7 @@
             </a:ln>
             <a:extLst>
               <a:ext uri="{91240B29-F687-4f45-9708-019B960494DF}">
-                <a14:hiddenLine xmlns:a14="http://schemas.microsoft.com/office/drawing/2010/main" xmlns="" w="9525">
+                <a14:hiddenLine xmlns="" xmlns:a14="http://schemas.microsoft.com/office/drawing/2010/main" w="9525">
                   <a:solidFill>
                     <a:srgbClr val="000000"/>
                   </a:solidFill>
@@ -1905,7 +1911,7 @@
             </a:ln>
             <a:extLst>
               <a:ext uri="{91240B29-F687-4f45-9708-019B960494DF}">
-                <a14:hiddenLine xmlns:a14="http://schemas.microsoft.com/office/drawing/2010/main" xmlns="" w="9525">
+                <a14:hiddenLine xmlns="" xmlns:a14="http://schemas.microsoft.com/office/drawing/2010/main" w="9525">
                   <a:solidFill>
                     <a:srgbClr val="000000"/>
                   </a:solidFill>
@@ -1995,7 +2001,7 @@
             </a:ln>
             <a:extLst>
               <a:ext uri="{91240B29-F687-4f45-9708-019B960494DF}">
-                <a14:hiddenLine xmlns:a14="http://schemas.microsoft.com/office/drawing/2010/main" xmlns="" w="9525">
+                <a14:hiddenLine xmlns="" xmlns:a14="http://schemas.microsoft.com/office/drawing/2010/main" w="9525">
                   <a:solidFill>
                     <a:srgbClr val="000000"/>
                   </a:solidFill>
@@ -2063,7 +2069,7 @@
             </a:ln>
             <a:extLst>
               <a:ext uri="{91240B29-F687-4f45-9708-019B960494DF}">
-                <a14:hiddenLine xmlns:a14="http://schemas.microsoft.com/office/drawing/2010/main" xmlns="" w="9525">
+                <a14:hiddenLine xmlns="" xmlns:a14="http://schemas.microsoft.com/office/drawing/2010/main" w="9525">
                   <a:solidFill>
                     <a:srgbClr val="000000"/>
                   </a:solidFill>
@@ -2153,7 +2159,7 @@
             </a:ln>
             <a:extLst>
               <a:ext uri="{91240B29-F687-4f45-9708-019B960494DF}">
-                <a14:hiddenLine xmlns:a14="http://schemas.microsoft.com/office/drawing/2010/main" xmlns="" w="9525">
+                <a14:hiddenLine xmlns="" xmlns:a14="http://schemas.microsoft.com/office/drawing/2010/main" w="9525">
                   <a:solidFill>
                     <a:srgbClr val="000000"/>
                   </a:solidFill>
@@ -2221,7 +2227,7 @@
             </a:ln>
             <a:extLst>
               <a:ext uri="{91240B29-F687-4f45-9708-019B960494DF}">
-                <a14:hiddenLine xmlns:a14="http://schemas.microsoft.com/office/drawing/2010/main" xmlns="" w="9525">
+                <a14:hiddenLine xmlns="" xmlns:a14="http://schemas.microsoft.com/office/drawing/2010/main" w="9525">
                   <a:solidFill>
                     <a:srgbClr val="000000"/>
                   </a:solidFill>
@@ -2311,7 +2317,7 @@
             </a:ln>
             <a:extLst>
               <a:ext uri="{91240B29-F687-4f45-9708-019B960494DF}">
-                <a14:hiddenLine xmlns:a14="http://schemas.microsoft.com/office/drawing/2010/main" xmlns="" w="9525">
+                <a14:hiddenLine xmlns="" xmlns:a14="http://schemas.microsoft.com/office/drawing/2010/main" w="9525">
                   <a:solidFill>
                     <a:srgbClr val="000000"/>
                   </a:solidFill>
@@ -2345,7 +2351,7 @@
             </a:ln>
             <a:extLst>
               <a:ext uri="{91240B29-F687-4f45-9708-019B960494DF}">
-                <a14:hiddenLine xmlns:a14="http://schemas.microsoft.com/office/drawing/2010/main" xmlns="" w="9525">
+                <a14:hiddenLine xmlns="" xmlns:a14="http://schemas.microsoft.com/office/drawing/2010/main" w="9525">
                   <a:solidFill>
                     <a:srgbClr val="000000"/>
                   </a:solidFill>
@@ -2435,7 +2441,7 @@
             </a:ln>
             <a:extLst>
               <a:ext uri="{91240B29-F687-4f45-9708-019B960494DF}">
-                <a14:hiddenLine xmlns:a14="http://schemas.microsoft.com/office/drawing/2010/main" xmlns="" w="9525">
+                <a14:hiddenLine xmlns="" xmlns:a14="http://schemas.microsoft.com/office/drawing/2010/main" w="9525">
                   <a:solidFill>
                     <a:srgbClr val="000000"/>
                   </a:solidFill>
@@ -2497,7 +2503,7 @@
             </a:ln>
             <a:extLst>
               <a:ext uri="{91240B29-F687-4f45-9708-019B960494DF}">
-                <a14:hiddenLine xmlns:a14="http://schemas.microsoft.com/office/drawing/2010/main" xmlns="" w="9525">
+                <a14:hiddenLine xmlns="" xmlns:a14="http://schemas.microsoft.com/office/drawing/2010/main" w="9525">
                   <a:solidFill>
                     <a:srgbClr val="000000"/>
                   </a:solidFill>
@@ -2559,7 +2565,7 @@
             </a:ln>
             <a:extLst>
               <a:ext uri="{91240B29-F687-4f45-9708-019B960494DF}">
-                <a14:hiddenLine xmlns:a14="http://schemas.microsoft.com/office/drawing/2010/main" xmlns="" w="9525">
+                <a14:hiddenLine xmlns="" xmlns:a14="http://schemas.microsoft.com/office/drawing/2010/main" w="9525">
                   <a:solidFill>
                     <a:srgbClr val="000000"/>
                   </a:solidFill>
@@ -2649,7 +2655,7 @@
             </a:ln>
             <a:extLst>
               <a:ext uri="{91240B29-F687-4f45-9708-019B960494DF}">
-                <a14:hiddenLine xmlns:a14="http://schemas.microsoft.com/office/drawing/2010/main" xmlns="" w="9525">
+                <a14:hiddenLine xmlns="" xmlns:a14="http://schemas.microsoft.com/office/drawing/2010/main" w="9525">
                   <a:solidFill>
                     <a:srgbClr val="000000"/>
                   </a:solidFill>
@@ -2717,7 +2723,7 @@
             </a:ln>
             <a:extLst>
               <a:ext uri="{91240B29-F687-4f45-9708-019B960494DF}">
-                <a14:hiddenLine xmlns:a14="http://schemas.microsoft.com/office/drawing/2010/main" xmlns="" w="9525">
+                <a14:hiddenLine xmlns="" xmlns:a14="http://schemas.microsoft.com/office/drawing/2010/main" w="9525">
                   <a:solidFill>
                     <a:srgbClr val="000000"/>
                   </a:solidFill>
@@ -2779,7 +2785,7 @@
             </a:ln>
             <a:extLst>
               <a:ext uri="{91240B29-F687-4f45-9708-019B960494DF}">
-                <a14:hiddenLine xmlns:a14="http://schemas.microsoft.com/office/drawing/2010/main" xmlns="" w="9525">
+                <a14:hiddenLine xmlns="" xmlns:a14="http://schemas.microsoft.com/office/drawing/2010/main" w="9525">
                   <a:solidFill>
                     <a:srgbClr val="000000"/>
                   </a:solidFill>
@@ -2869,7 +2875,7 @@
             </a:ln>
             <a:extLst>
               <a:ext uri="{91240B29-F687-4f45-9708-019B960494DF}">
-                <a14:hiddenLine xmlns:a14="http://schemas.microsoft.com/office/drawing/2010/main" xmlns="" w="9525">
+                <a14:hiddenLine xmlns="" xmlns:a14="http://schemas.microsoft.com/office/drawing/2010/main" w="9525">
                   <a:solidFill>
                     <a:srgbClr val="000000"/>
                   </a:solidFill>
@@ -2931,7 +2937,7 @@
             </a:ln>
             <a:extLst>
               <a:ext uri="{91240B29-F687-4f45-9708-019B960494DF}">
-                <a14:hiddenLine xmlns:a14="http://schemas.microsoft.com/office/drawing/2010/main" xmlns="" w="9525">
+                <a14:hiddenLine xmlns="" xmlns:a14="http://schemas.microsoft.com/office/drawing/2010/main" w="9525">
                   <a:solidFill>
                     <a:srgbClr val="000000"/>
                   </a:solidFill>
@@ -3021,7 +3027,7 @@
             </a:ln>
             <a:extLst>
               <a:ext uri="{91240B29-F687-4f45-9708-019B960494DF}">
-                <a14:hiddenLine xmlns:a14="http://schemas.microsoft.com/office/drawing/2010/main" xmlns="" w="9525">
+                <a14:hiddenLine xmlns="" xmlns:a14="http://schemas.microsoft.com/office/drawing/2010/main" w="9525">
                   <a:solidFill>
                     <a:srgbClr val="000000"/>
                   </a:solidFill>
@@ -3083,7 +3089,7 @@
             </a:ln>
             <a:extLst>
               <a:ext uri="{91240B29-F687-4f45-9708-019B960494DF}">
-                <a14:hiddenLine xmlns:a14="http://schemas.microsoft.com/office/drawing/2010/main" xmlns="" w="9525">
+                <a14:hiddenLine xmlns="" xmlns:a14="http://schemas.microsoft.com/office/drawing/2010/main" w="9525">
                   <a:solidFill>
                     <a:srgbClr val="000000"/>
                   </a:solidFill>
@@ -3173,7 +3179,7 @@
             </a:ln>
             <a:extLst>
               <a:ext uri="{91240B29-F687-4f45-9708-019B960494DF}">
-                <a14:hiddenLine xmlns:a14="http://schemas.microsoft.com/office/drawing/2010/main" xmlns="" w="9525">
+                <a14:hiddenLine xmlns="" xmlns:a14="http://schemas.microsoft.com/office/drawing/2010/main" w="9525">
                   <a:solidFill>
                     <a:srgbClr val="000000"/>
                   </a:solidFill>
@@ -3207,7 +3213,7 @@
             </a:ln>
             <a:extLst>
               <a:ext uri="{91240B29-F687-4f45-9708-019B960494DF}">
-                <a14:hiddenLine xmlns:a14="http://schemas.microsoft.com/office/drawing/2010/main" xmlns="" w="9525">
+                <a14:hiddenLine xmlns="" xmlns:a14="http://schemas.microsoft.com/office/drawing/2010/main" w="9525">
                   <a:solidFill>
                     <a:srgbClr val="000000"/>
                   </a:solidFill>
@@ -3272,7 +3278,7 @@
             </a:ln>
             <a:extLst>
               <a:ext uri="{91240B29-F687-4f45-9708-019B960494DF}">
-                <a14:hiddenLine xmlns:a14="http://schemas.microsoft.com/office/drawing/2010/main" xmlns="" w="9525">
+                <a14:hiddenLine xmlns="" xmlns:a14="http://schemas.microsoft.com/office/drawing/2010/main" w="9525">
                   <a:solidFill>
                     <a:srgbClr val="000000"/>
                   </a:solidFill>
@@ -3362,7 +3368,7 @@
             </a:ln>
             <a:extLst>
               <a:ext uri="{91240B29-F687-4f45-9708-019B960494DF}">
-                <a14:hiddenLine xmlns:a14="http://schemas.microsoft.com/office/drawing/2010/main" xmlns="" w="9525">
+                <a14:hiddenLine xmlns="" xmlns:a14="http://schemas.microsoft.com/office/drawing/2010/main" w="9525">
                   <a:solidFill>
                     <a:srgbClr val="000000"/>
                   </a:solidFill>
@@ -3424,7 +3430,7 @@
             </a:ln>
             <a:extLst>
               <a:ext uri="{91240B29-F687-4f45-9708-019B960494DF}">
-                <a14:hiddenLine xmlns:a14="http://schemas.microsoft.com/office/drawing/2010/main" xmlns="" w="9525">
+                <a14:hiddenLine xmlns="" xmlns:a14="http://schemas.microsoft.com/office/drawing/2010/main" w="9525">
                   <a:solidFill>
                     <a:srgbClr val="000000"/>
                   </a:solidFill>
@@ -3514,7 +3520,7 @@
             </a:ln>
             <a:extLst>
               <a:ext uri="{91240B29-F687-4f45-9708-019B960494DF}">
-                <a14:hiddenLine xmlns:a14="http://schemas.microsoft.com/office/drawing/2010/main" xmlns="" w="9525">
+                <a14:hiddenLine xmlns="" xmlns:a14="http://schemas.microsoft.com/office/drawing/2010/main" w="9525">
                   <a:solidFill>
                     <a:srgbClr val="000000"/>
                   </a:solidFill>
@@ -3604,7 +3610,7 @@
             </a:ln>
             <a:extLst>
               <a:ext uri="{91240B29-F687-4f45-9708-019B960494DF}">
-                <a14:hiddenLine xmlns:a14="http://schemas.microsoft.com/office/drawing/2010/main" xmlns="" w="9525">
+                <a14:hiddenLine xmlns="" xmlns:a14="http://schemas.microsoft.com/office/drawing/2010/main" w="9525">
                   <a:solidFill>
                     <a:srgbClr val="000000"/>
                   </a:solidFill>
@@ -3669,7 +3675,7 @@
             </a:ln>
             <a:extLst>
               <a:ext uri="{91240B29-F687-4f45-9708-019B960494DF}">
-                <a14:hiddenLine xmlns:a14="http://schemas.microsoft.com/office/drawing/2010/main" xmlns="" w="9525">
+                <a14:hiddenLine xmlns="" xmlns:a14="http://schemas.microsoft.com/office/drawing/2010/main" w="9525">
                   <a:solidFill>
                     <a:srgbClr val="000000"/>
                   </a:solidFill>
@@ -3731,7 +3737,7 @@
             </a:ln>
             <a:extLst>
               <a:ext uri="{91240B29-F687-4f45-9708-019B960494DF}">
-                <a14:hiddenLine xmlns:a14="http://schemas.microsoft.com/office/drawing/2010/main" xmlns="" w="9525">
+                <a14:hiddenLine xmlns="" xmlns:a14="http://schemas.microsoft.com/office/drawing/2010/main" w="9525">
                   <a:solidFill>
                     <a:srgbClr val="000000"/>
                   </a:solidFill>
@@ -3821,7 +3827,7 @@
             </a:ln>
             <a:extLst>
               <a:ext uri="{91240B29-F687-4f45-9708-019B960494DF}">
-                <a14:hiddenLine xmlns:a14="http://schemas.microsoft.com/office/drawing/2010/main" xmlns="" w="9525">
+                <a14:hiddenLine xmlns="" xmlns:a14="http://schemas.microsoft.com/office/drawing/2010/main" w="9525">
                   <a:solidFill>
                     <a:srgbClr val="000000"/>
                   </a:solidFill>
@@ -3911,7 +3917,7 @@
             </a:ln>
             <a:extLst>
               <a:ext uri="{91240B29-F687-4f45-9708-019B960494DF}">
-                <a14:hiddenLine xmlns:a14="http://schemas.microsoft.com/office/drawing/2010/main" xmlns="" w="9525">
+                <a14:hiddenLine xmlns="" xmlns:a14="http://schemas.microsoft.com/office/drawing/2010/main" w="9525">
                   <a:solidFill>
                     <a:srgbClr val="000000"/>
                   </a:solidFill>
@@ -3973,7 +3979,7 @@
             </a:ln>
             <a:extLst>
               <a:ext uri="{91240B29-F687-4f45-9708-019B960494DF}">
-                <a14:hiddenLine xmlns:a14="http://schemas.microsoft.com/office/drawing/2010/main" xmlns="" w="9525">
+                <a14:hiddenLine xmlns="" xmlns:a14="http://schemas.microsoft.com/office/drawing/2010/main" w="9525">
                   <a:solidFill>
                     <a:srgbClr val="000000"/>
                   </a:solidFill>
@@ -4093,7 +4099,7 @@
             </a:ln>
             <a:extLst>
               <a:ext uri="{91240B29-F687-4f45-9708-019B960494DF}">
-                <a14:hiddenLine xmlns:a14="http://schemas.microsoft.com/office/drawing/2010/main" xmlns="" w="9525">
+                <a14:hiddenLine xmlns="" xmlns:a14="http://schemas.microsoft.com/office/drawing/2010/main" w="9525">
                   <a:solidFill>
                     <a:srgbClr val="000000"/>
                   </a:solidFill>
@@ -4161,7 +4167,7 @@
             </a:ln>
             <a:extLst>
               <a:ext uri="{91240B29-F687-4f45-9708-019B960494DF}">
-                <a14:hiddenLine xmlns:a14="http://schemas.microsoft.com/office/drawing/2010/main" xmlns="" w="9525">
+                <a14:hiddenLine xmlns="" xmlns:a14="http://schemas.microsoft.com/office/drawing/2010/main" w="9525">
                   <a:solidFill>
                     <a:srgbClr val="000000"/>
                   </a:solidFill>
@@ -4251,7 +4257,7 @@
             </a:ln>
             <a:extLst>
               <a:ext uri="{91240B29-F687-4f45-9708-019B960494DF}">
-                <a14:hiddenLine xmlns:a14="http://schemas.microsoft.com/office/drawing/2010/main" xmlns="" w="9525">
+                <a14:hiddenLine xmlns="" xmlns:a14="http://schemas.microsoft.com/office/drawing/2010/main" w="9525">
                   <a:solidFill>
                     <a:srgbClr val="000000"/>
                   </a:solidFill>
@@ -8973,7 +8979,7 @@
           <a:noFill/>
           <a:extLst>
             <a:ext uri="{909E8E84-426E-40dd-AFC4-6F175D3DCCD1}">
-              <a14:hiddenFill xmlns:a14="http://schemas.microsoft.com/office/drawing/2010/main" xmlns="">
+              <a14:hiddenFill xmlns="" xmlns:a14="http://schemas.microsoft.com/office/drawing/2010/main">
                 <a:solidFill>
                   <a:srgbClr val="FFFFFF"/>
                 </a:solidFill>
@@ -9047,7 +9053,7 @@
               </a:ln>
               <a:extLst>
                 <a:ext uri="{91240B29-F687-4f45-9708-019B960494DF}">
-                  <a14:hiddenLine xmlns:a14="http://schemas.microsoft.com/office/drawing/2010/main" xmlns="" w="9525">
+                  <a14:hiddenLine xmlns="" xmlns:a14="http://schemas.microsoft.com/office/drawing/2010/main" w="9525">
                     <a:solidFill>
                       <a:srgbClr val="000000"/>
                     </a:solidFill>
@@ -9137,7 +9143,7 @@
               </a:ln>
               <a:extLst>
                 <a:ext uri="{91240B29-F687-4f45-9708-019B960494DF}">
-                  <a14:hiddenLine xmlns:a14="http://schemas.microsoft.com/office/drawing/2010/main" xmlns="" w="9525">
+                  <a14:hiddenLine xmlns="" xmlns:a14="http://schemas.microsoft.com/office/drawing/2010/main" w="9525">
                     <a:solidFill>
                       <a:srgbClr val="000000"/>
                     </a:solidFill>
@@ -9227,7 +9233,7 @@
               </a:ln>
               <a:extLst>
                 <a:ext uri="{91240B29-F687-4f45-9708-019B960494DF}">
-                  <a14:hiddenLine xmlns:a14="http://schemas.microsoft.com/office/drawing/2010/main" xmlns="" w="9525">
+                  <a14:hiddenLine xmlns="" xmlns:a14="http://schemas.microsoft.com/office/drawing/2010/main" w="9525">
                     <a:solidFill>
                       <a:srgbClr val="000000"/>
                     </a:solidFill>
@@ -9289,7 +9295,7 @@
               </a:ln>
               <a:extLst>
                 <a:ext uri="{91240B29-F687-4f45-9708-019B960494DF}">
-                  <a14:hiddenLine xmlns:a14="http://schemas.microsoft.com/office/drawing/2010/main" xmlns="" w="9525">
+                  <a14:hiddenLine xmlns="" xmlns:a14="http://schemas.microsoft.com/office/drawing/2010/main" w="9525">
                     <a:solidFill>
                       <a:srgbClr val="000000"/>
                     </a:solidFill>
@@ -9379,7 +9385,7 @@
               </a:ln>
               <a:extLst>
                 <a:ext uri="{91240B29-F687-4f45-9708-019B960494DF}">
-                  <a14:hiddenLine xmlns:a14="http://schemas.microsoft.com/office/drawing/2010/main" xmlns="" w="9525">
+                  <a14:hiddenLine xmlns="" xmlns:a14="http://schemas.microsoft.com/office/drawing/2010/main" w="9525">
                     <a:solidFill>
                       <a:srgbClr val="000000"/>
                     </a:solidFill>
@@ -9441,7 +9447,7 @@
               </a:ln>
               <a:extLst>
                 <a:ext uri="{91240B29-F687-4f45-9708-019B960494DF}">
-                  <a14:hiddenLine xmlns:a14="http://schemas.microsoft.com/office/drawing/2010/main" xmlns="" w="9525">
+                  <a14:hiddenLine xmlns="" xmlns:a14="http://schemas.microsoft.com/office/drawing/2010/main" w="9525">
                     <a:solidFill>
                       <a:srgbClr val="000000"/>
                     </a:solidFill>
@@ -9503,7 +9509,7 @@
               </a:ln>
               <a:extLst>
                 <a:ext uri="{91240B29-F687-4f45-9708-019B960494DF}">
-                  <a14:hiddenLine xmlns:a14="http://schemas.microsoft.com/office/drawing/2010/main" xmlns="" w="9525">
+                  <a14:hiddenLine xmlns="" xmlns:a14="http://schemas.microsoft.com/office/drawing/2010/main" w="9525">
                     <a:solidFill>
                       <a:srgbClr val="000000"/>
                     </a:solidFill>
@@ -9593,7 +9599,7 @@
               </a:ln>
               <a:extLst>
                 <a:ext uri="{91240B29-F687-4f45-9708-019B960494DF}">
-                  <a14:hiddenLine xmlns:a14="http://schemas.microsoft.com/office/drawing/2010/main" xmlns="" w="9525">
+                  <a14:hiddenLine xmlns="" xmlns:a14="http://schemas.microsoft.com/office/drawing/2010/main" w="9525">
                     <a:solidFill>
                       <a:srgbClr val="000000"/>
                     </a:solidFill>
@@ -9683,7 +9689,7 @@
               </a:ln>
               <a:extLst>
                 <a:ext uri="{91240B29-F687-4f45-9708-019B960494DF}">
-                  <a14:hiddenLine xmlns:a14="http://schemas.microsoft.com/office/drawing/2010/main" xmlns="" w="9525">
+                  <a14:hiddenLine xmlns="" xmlns:a14="http://schemas.microsoft.com/office/drawing/2010/main" w="9525">
                     <a:solidFill>
                       <a:srgbClr val="000000"/>
                     </a:solidFill>
@@ -9745,7 +9751,7 @@
               </a:ln>
               <a:extLst>
                 <a:ext uri="{91240B29-F687-4f45-9708-019B960494DF}">
-                  <a14:hiddenLine xmlns:a14="http://schemas.microsoft.com/office/drawing/2010/main" xmlns="" w="9525">
+                  <a14:hiddenLine xmlns="" xmlns:a14="http://schemas.microsoft.com/office/drawing/2010/main" w="9525">
                     <a:solidFill>
                       <a:srgbClr val="000000"/>
                     </a:solidFill>
@@ -9855,7 +9861,7 @@
               </a:ln>
               <a:extLst>
                 <a:ext uri="{91240B29-F687-4f45-9708-019B960494DF}">
-                  <a14:hiddenLine xmlns:a14="http://schemas.microsoft.com/office/drawing/2010/main" xmlns="" w="9525">
+                  <a14:hiddenLine xmlns="" xmlns:a14="http://schemas.microsoft.com/office/drawing/2010/main" w="9525">
                     <a:solidFill>
                       <a:srgbClr val="000000"/>
                     </a:solidFill>
@@ -9939,7 +9945,7 @@
               </a:ln>
               <a:extLst>
                 <a:ext uri="{91240B29-F687-4f45-9708-019B960494DF}">
-                  <a14:hiddenLine xmlns:a14="http://schemas.microsoft.com/office/drawing/2010/main" xmlns="" w="9525">
+                  <a14:hiddenLine xmlns="" xmlns:a14="http://schemas.microsoft.com/office/drawing/2010/main" w="9525">
                     <a:solidFill>
                       <a:srgbClr val="000000"/>
                     </a:solidFill>
@@ -10001,7 +10007,7 @@
               </a:ln>
               <a:extLst>
                 <a:ext uri="{91240B29-F687-4f45-9708-019B960494DF}">
-                  <a14:hiddenLine xmlns:a14="http://schemas.microsoft.com/office/drawing/2010/main" xmlns="" w="9525">
+                  <a14:hiddenLine xmlns="" xmlns:a14="http://schemas.microsoft.com/office/drawing/2010/main" w="9525">
                     <a:solidFill>
                       <a:srgbClr val="000000"/>
                     </a:solidFill>
@@ -10063,7 +10069,7 @@
               </a:ln>
               <a:extLst>
                 <a:ext uri="{91240B29-F687-4f45-9708-019B960494DF}">
-                  <a14:hiddenLine xmlns:a14="http://schemas.microsoft.com/office/drawing/2010/main" xmlns="" w="9525">
+                  <a14:hiddenLine xmlns="" xmlns:a14="http://schemas.microsoft.com/office/drawing/2010/main" w="9525">
                     <a:solidFill>
                       <a:srgbClr val="000000"/>
                     </a:solidFill>
@@ -10153,7 +10159,7 @@
               </a:ln>
               <a:extLst>
                 <a:ext uri="{91240B29-F687-4f45-9708-019B960494DF}">
-                  <a14:hiddenLine xmlns:a14="http://schemas.microsoft.com/office/drawing/2010/main" xmlns="" w="9525">
+                  <a14:hiddenLine xmlns="" xmlns:a14="http://schemas.microsoft.com/office/drawing/2010/main" w="9525">
                     <a:solidFill>
                       <a:srgbClr val="000000"/>
                     </a:solidFill>
@@ -10187,7 +10193,7 @@
               </a:ln>
               <a:extLst>
                 <a:ext uri="{91240B29-F687-4f45-9708-019B960494DF}">
-                  <a14:hiddenLine xmlns:a14="http://schemas.microsoft.com/office/drawing/2010/main" xmlns="" w="9525">
+                  <a14:hiddenLine xmlns="" xmlns:a14="http://schemas.microsoft.com/office/drawing/2010/main" w="9525">
                     <a:solidFill>
                       <a:srgbClr val="000000"/>
                     </a:solidFill>
@@ -10252,7 +10258,7 @@
               </a:ln>
               <a:extLst>
                 <a:ext uri="{91240B29-F687-4f45-9708-019B960494DF}">
-                  <a14:hiddenLine xmlns:a14="http://schemas.microsoft.com/office/drawing/2010/main" xmlns="" w="9525">
+                  <a14:hiddenLine xmlns="" xmlns:a14="http://schemas.microsoft.com/office/drawing/2010/main" w="9525">
                     <a:solidFill>
                       <a:srgbClr val="000000"/>
                     </a:solidFill>
@@ -10342,7 +10348,7 @@
               </a:ln>
               <a:extLst>
                 <a:ext uri="{91240B29-F687-4f45-9708-019B960494DF}">
-                  <a14:hiddenLine xmlns:a14="http://schemas.microsoft.com/office/drawing/2010/main" xmlns="" w="9525">
+                  <a14:hiddenLine xmlns="" xmlns:a14="http://schemas.microsoft.com/office/drawing/2010/main" w="9525">
                     <a:solidFill>
                       <a:srgbClr val="000000"/>
                     </a:solidFill>
@@ -10404,7 +10410,7 @@
               </a:ln>
               <a:extLst>
                 <a:ext uri="{91240B29-F687-4f45-9708-019B960494DF}">
-                  <a14:hiddenLine xmlns:a14="http://schemas.microsoft.com/office/drawing/2010/main" xmlns="" w="9525">
+                  <a14:hiddenLine xmlns="" xmlns:a14="http://schemas.microsoft.com/office/drawing/2010/main" w="9525">
                     <a:solidFill>
                       <a:srgbClr val="000000"/>
                     </a:solidFill>
@@ -10494,7 +10500,7 @@
               </a:ln>
               <a:extLst>
                 <a:ext uri="{91240B29-F687-4f45-9708-019B960494DF}">
-                  <a14:hiddenLine xmlns:a14="http://schemas.microsoft.com/office/drawing/2010/main" xmlns="" w="9525">
+                  <a14:hiddenLine xmlns="" xmlns:a14="http://schemas.microsoft.com/office/drawing/2010/main" w="9525">
                     <a:solidFill>
                       <a:srgbClr val="000000"/>
                     </a:solidFill>
@@ -10559,7 +10565,7 @@
               </a:ln>
               <a:extLst>
                 <a:ext uri="{91240B29-F687-4f45-9708-019B960494DF}">
-                  <a14:hiddenLine xmlns:a14="http://schemas.microsoft.com/office/drawing/2010/main" xmlns="" w="9525">
+                  <a14:hiddenLine xmlns="" xmlns:a14="http://schemas.microsoft.com/office/drawing/2010/main" w="9525">
                     <a:solidFill>
                       <a:srgbClr val="000000"/>
                     </a:solidFill>
@@ -10621,7 +10627,7 @@
               </a:ln>
               <a:extLst>
                 <a:ext uri="{91240B29-F687-4f45-9708-019B960494DF}">
-                  <a14:hiddenLine xmlns:a14="http://schemas.microsoft.com/office/drawing/2010/main" xmlns="" w="9525">
+                  <a14:hiddenLine xmlns="" xmlns:a14="http://schemas.microsoft.com/office/drawing/2010/main" w="9525">
                     <a:solidFill>
                       <a:srgbClr val="000000"/>
                     </a:solidFill>
@@ -10711,7 +10717,7 @@
               </a:ln>
               <a:extLst>
                 <a:ext uri="{91240B29-F687-4f45-9708-019B960494DF}">
-                  <a14:hiddenLine xmlns:a14="http://schemas.microsoft.com/office/drawing/2010/main" xmlns="" w="9525">
+                  <a14:hiddenLine xmlns="" xmlns:a14="http://schemas.microsoft.com/office/drawing/2010/main" w="9525">
                     <a:solidFill>
                       <a:srgbClr val="000000"/>
                     </a:solidFill>
@@ -10801,7 +10807,7 @@
               </a:ln>
               <a:extLst>
                 <a:ext uri="{91240B29-F687-4f45-9708-019B960494DF}">
-                  <a14:hiddenLine xmlns:a14="http://schemas.microsoft.com/office/drawing/2010/main" xmlns="" w="9525">
+                  <a14:hiddenLine xmlns="" xmlns:a14="http://schemas.microsoft.com/office/drawing/2010/main" w="9525">
                     <a:solidFill>
                       <a:srgbClr val="000000"/>
                     </a:solidFill>
@@ -10866,7 +10872,7 @@
               </a:ln>
               <a:extLst>
                 <a:ext uri="{91240B29-F687-4f45-9708-019B960494DF}">
-                  <a14:hiddenLine xmlns:a14="http://schemas.microsoft.com/office/drawing/2010/main" xmlns="" w="9525">
+                  <a14:hiddenLine xmlns="" xmlns:a14="http://schemas.microsoft.com/office/drawing/2010/main" w="9525">
                     <a:solidFill>
                       <a:srgbClr val="000000"/>
                     </a:solidFill>
@@ -10986,7 +10992,7 @@
               </a:ln>
               <a:extLst>
                 <a:ext uri="{91240B29-F687-4f45-9708-019B960494DF}">
-                  <a14:hiddenLine xmlns:a14="http://schemas.microsoft.com/office/drawing/2010/main" xmlns="" w="9525">
+                  <a14:hiddenLine xmlns="" xmlns:a14="http://schemas.microsoft.com/office/drawing/2010/main" w="9525">
                     <a:solidFill>
                       <a:srgbClr val="000000"/>
                     </a:solidFill>
@@ -11084,7 +11090,7 @@
               </a:ln>
               <a:extLst>
                 <a:ext uri="{91240B29-F687-4f45-9708-019B960494DF}">
-                  <a14:hiddenLine xmlns:a14="http://schemas.microsoft.com/office/drawing/2010/main" xmlns="" w="9525">
+                  <a14:hiddenLine xmlns="" xmlns:a14="http://schemas.microsoft.com/office/drawing/2010/main" w="9525">
                     <a:solidFill>
                       <a:srgbClr val="000000"/>
                     </a:solidFill>
@@ -11199,7 +11205,7 @@
               </a:ln>
               <a:extLst>
                 <a:ext uri="{91240B29-F687-4f45-9708-019B960494DF}">
-                  <a14:hiddenLine xmlns:a14="http://schemas.microsoft.com/office/drawing/2010/main" xmlns="" w="9525">
+                  <a14:hiddenLine xmlns="" xmlns:a14="http://schemas.microsoft.com/office/drawing/2010/main" w="9525">
                     <a:solidFill>
                       <a:srgbClr val="000000"/>
                     </a:solidFill>
@@ -11289,7 +11295,7 @@
               </a:ln>
               <a:extLst>
                 <a:ext uri="{91240B29-F687-4f45-9708-019B960494DF}">
-                  <a14:hiddenLine xmlns:a14="http://schemas.microsoft.com/office/drawing/2010/main" xmlns="" w="9525">
+                  <a14:hiddenLine xmlns="" xmlns:a14="http://schemas.microsoft.com/office/drawing/2010/main" w="9525">
                     <a:solidFill>
                       <a:srgbClr val="000000"/>
                     </a:solidFill>
@@ -11354,7 +11360,7 @@
               </a:ln>
               <a:extLst>
                 <a:ext uri="{91240B29-F687-4f45-9708-019B960494DF}">
-                  <a14:hiddenLine xmlns:a14="http://schemas.microsoft.com/office/drawing/2010/main" xmlns="" w="9525">
+                  <a14:hiddenLine xmlns="" xmlns:a14="http://schemas.microsoft.com/office/drawing/2010/main" w="9525">
                     <a:solidFill>
                       <a:srgbClr val="000000"/>
                     </a:solidFill>
@@ -11444,7 +11450,7 @@
               </a:ln>
               <a:extLst>
                 <a:ext uri="{91240B29-F687-4f45-9708-019B960494DF}">
-                  <a14:hiddenLine xmlns:a14="http://schemas.microsoft.com/office/drawing/2010/main" xmlns="" w="9525">
+                  <a14:hiddenLine xmlns="" xmlns:a14="http://schemas.microsoft.com/office/drawing/2010/main" w="9525">
                     <a:solidFill>
                       <a:srgbClr val="000000"/>
                     </a:solidFill>
@@ -11512,7 +11518,7 @@
               </a:ln>
               <a:extLst>
                 <a:ext uri="{91240B29-F687-4f45-9708-019B960494DF}">
-                  <a14:hiddenLine xmlns:a14="http://schemas.microsoft.com/office/drawing/2010/main" xmlns="" w="9525">
+                  <a14:hiddenLine xmlns="" xmlns:a14="http://schemas.microsoft.com/office/drawing/2010/main" w="9525">
                     <a:solidFill>
                       <a:srgbClr val="000000"/>
                     </a:solidFill>
@@ -11602,7 +11608,7 @@
               </a:ln>
               <a:extLst>
                 <a:ext uri="{91240B29-F687-4f45-9708-019B960494DF}">
-                  <a14:hiddenLine xmlns:a14="http://schemas.microsoft.com/office/drawing/2010/main" xmlns="" w="9525">
+                  <a14:hiddenLine xmlns="" xmlns:a14="http://schemas.microsoft.com/office/drawing/2010/main" w="9525">
                     <a:solidFill>
                       <a:srgbClr val="000000"/>
                     </a:solidFill>
@@ -11670,7 +11676,7 @@
               </a:ln>
               <a:extLst>
                 <a:ext uri="{91240B29-F687-4f45-9708-019B960494DF}">
-                  <a14:hiddenLine xmlns:a14="http://schemas.microsoft.com/office/drawing/2010/main" xmlns="" w="9525">
+                  <a14:hiddenLine xmlns="" xmlns:a14="http://schemas.microsoft.com/office/drawing/2010/main" w="9525">
                     <a:solidFill>
                       <a:srgbClr val="000000"/>
                     </a:solidFill>
@@ -11760,7 +11766,7 @@
               </a:ln>
               <a:extLst>
                 <a:ext uri="{91240B29-F687-4f45-9708-019B960494DF}">
-                  <a14:hiddenLine xmlns:a14="http://schemas.microsoft.com/office/drawing/2010/main" xmlns="" w="9525">
+                  <a14:hiddenLine xmlns="" xmlns:a14="http://schemas.microsoft.com/office/drawing/2010/main" w="9525">
                     <a:solidFill>
                       <a:srgbClr val="000000"/>
                     </a:solidFill>
@@ -11794,7 +11800,7 @@
               </a:ln>
               <a:extLst>
                 <a:ext uri="{91240B29-F687-4f45-9708-019B960494DF}">
-                  <a14:hiddenLine xmlns:a14="http://schemas.microsoft.com/office/drawing/2010/main" xmlns="" w="9525">
+                  <a14:hiddenLine xmlns="" xmlns:a14="http://schemas.microsoft.com/office/drawing/2010/main" w="9525">
                     <a:solidFill>
                       <a:srgbClr val="000000"/>
                     </a:solidFill>
@@ -12434,6 +12440,36 @@
 </p:sld>
 </file>
 
+<file path=ppt/slides/slide10.xml><?xml version="1.0" encoding="utf-8"?>
+<p:sld xmlns:a="http://schemas.openxmlformats.org/drawingml/2006/main" xmlns:r="http://schemas.openxmlformats.org/officeDocument/2006/relationships" xmlns:p="http://schemas.openxmlformats.org/presentationml/2006/main">
+  <p:cSld>
+    <p:spTree>
+      <p:nvGrpSpPr>
+        <p:cNvPr id="1" name=""/>
+        <p:cNvGrpSpPr/>
+        <p:nvPr/>
+      </p:nvGrpSpPr>
+      <p:grpSpPr>
+        <a:xfrm>
+          <a:off x="0" y="0"/>
+          <a:ext cx="0" cy="0"/>
+          <a:chOff x="0" y="0"/>
+          <a:chExt cx="0" cy="0"/>
+        </a:xfrm>
+      </p:grpSpPr>
+    </p:spTree>
+    <p:extLst>
+      <p:ext uri="{BB962C8B-B14F-4D97-AF65-F5344CB8AC3E}">
+        <p14:creationId xmlns:p14="http://schemas.microsoft.com/office/powerpoint/2010/main" val="2708582603"/>
+      </p:ext>
+    </p:extLst>
+  </p:cSld>
+  <p:clrMapOvr>
+    <a:masterClrMapping/>
+  </p:clrMapOvr>
+</p:sld>
+</file>
+
 <file path=ppt/slides/slide2.xml><?xml version="1.0" encoding="utf-8"?>
 <p:sld xmlns:a="http://schemas.openxmlformats.org/drawingml/2006/main" xmlns:r="http://schemas.openxmlformats.org/officeDocument/2006/relationships" xmlns:p="http://schemas.openxmlformats.org/presentationml/2006/main">
   <p:cSld>
@@ -12991,7 +13027,7 @@
           <a:p>
             <a:r>
               <a:rPr lang="en-US" dirty="0"/>
-              <a:t>Testing and Setbacks</a:t>
+              <a:t>Features</a:t>
             </a:r>
           </a:p>
         </p:txBody>
@@ -13024,42 +13060,62 @@
           <a:p>
             <a:r>
               <a:rPr lang="en-US" dirty="0"/>
-              <a:t>Setbacks include:</a:t>
+              <a:t>Main Features:</a:t>
             </a:r>
           </a:p>
           <a:p>
             <a:pPr lvl="1"/>
             <a:r>
               <a:rPr lang="en-US" dirty="0"/>
-              <a:t>Loosing all my original files</a:t>
+              <a:t>Board Auto-generation</a:t>
             </a:r>
           </a:p>
           <a:p>
             <a:pPr lvl="1"/>
             <a:r>
               <a:rPr lang="en-US" dirty="0"/>
-              <a:t>Certain functions weren’t working as intended and needed</a:t>
+              <a:t>Rolling, random number/letter generator</a:t>
+            </a:r>
+          </a:p>
+          <a:p>
+            <a:pPr lvl="1"/>
+            <a:r>
+              <a:rPr lang="en-US" dirty="0"/>
+              <a:t>“Legal Bingo” analyzer</a:t>
+            </a:r>
+          </a:p>
+          <a:p>
+            <a:pPr lvl="1"/>
+            <a:r>
+              <a:rPr lang="en-US" dirty="0"/>
+              <a:t>User friendly buttons/prompts to guide them how to play</a:t>
             </a:r>
             <a:br>
               <a:rPr lang="en-US" dirty="0"/>
             </a:br>
+            <a:endParaRPr lang="en-US" dirty="0"/>
+          </a:p>
+          <a:p>
+            <a:pPr marL="0" indent="0">
+              <a:buNone/>
+            </a:pPr>
             <a:r>
               <a:rPr lang="en-US" dirty="0"/>
-              <a:t>to be redone from the ground up</a:t>
+              <a:t>Most Difficult Piece: Random Generator</a:t>
             </a:r>
           </a:p>
           <a:p>
             <a:pPr lvl="1"/>
             <a:r>
               <a:rPr lang="en-US" dirty="0"/>
-              <a:t>Time and physical restraints due to sickness and other </a:t>
+              <a:t>Random, but not random</a:t>
             </a:r>
-            <a:br>
-              <a:rPr lang="en-US" dirty="0"/>
-            </a:br>
+          </a:p>
+          <a:p>
+            <a:pPr lvl="1"/>
             <a:r>
               <a:rPr lang="en-US" dirty="0"/>
-              <a:t>unforeseeable events</a:t>
+              <a:t>Calling them and then being able to scan them later when bingo is called</a:t>
             </a:r>
           </a:p>
         </p:txBody>
@@ -13122,7 +13178,7 @@
           <a:p>
             <a:r>
               <a:rPr lang="en-US" dirty="0"/>
-              <a:t>Future Additions</a:t>
+              <a:t>Testing and Setbacks</a:t>
             </a:r>
           </a:p>
         </p:txBody>
@@ -13153,27 +13209,67 @@
           <a:bodyPr/>
           <a:lstStyle/>
           <a:p>
+            <a:pPr marL="0" indent="0">
+              <a:buNone/>
+            </a:pPr>
             <a:r>
               <a:rPr lang="en-US" dirty="0"/>
-              <a:t>An additional version that lets you play with music clips and titles</a:t>
+              <a:t>Testing:</a:t>
             </a:r>
           </a:p>
           <a:p>
+            <a:pPr lvl="1"/>
             <a:r>
               <a:rPr lang="en-US" dirty="0"/>
-              <a:t>A call history that lists what has been shown</a:t>
+              <a:t>I played roughly 300 games of Bingo over the last year and half (130 complete)</a:t>
             </a:r>
-          </a:p>
-          <a:p>
+            <a:br>
+              <a:rPr lang="en-US" dirty="0"/>
+            </a:br>
+            <a:endParaRPr lang="en-US" dirty="0"/>
+          </a:p>
+          <a:p>
+            <a:pPr marL="0" indent="0">
+              <a:buNone/>
+            </a:pPr>
             <a:r>
               <a:rPr lang="en-US" dirty="0"/>
-              <a:t>An optional multiplayer version that could be in person or over network</a:t>
+              <a:t>Setbacks include:</a:t>
             </a:r>
           </a:p>
           <a:p>
+            <a:pPr lvl="1"/>
             <a:r>
               <a:rPr lang="en-US" dirty="0"/>
-              <a:t>A choice of color dauber</a:t>
+              <a:t>Loosing all my original files</a:t>
+            </a:r>
+          </a:p>
+          <a:p>
+            <a:pPr lvl="1"/>
+            <a:r>
+              <a:rPr lang="en-US" dirty="0"/>
+              <a:t>Certain functions weren’t working as intended and needed</a:t>
+            </a:r>
+            <a:br>
+              <a:rPr lang="en-US" dirty="0"/>
+            </a:br>
+            <a:r>
+              <a:rPr lang="en-US" dirty="0"/>
+              <a:t>to be redone from the ground up</a:t>
+            </a:r>
+          </a:p>
+          <a:p>
+            <a:pPr lvl="1"/>
+            <a:r>
+              <a:rPr lang="en-US" dirty="0"/>
+              <a:t>Time and physical restraints due to sickness and other </a:t>
+            </a:r>
+            <a:br>
+              <a:rPr lang="en-US" dirty="0"/>
+            </a:br>
+            <a:r>
+              <a:rPr lang="en-US" dirty="0"/>
+              <a:t>unforeseeable events</a:t>
             </a:r>
           </a:p>
         </p:txBody>
@@ -13181,7 +13277,7 @@
     </p:spTree>
     <p:extLst>
       <p:ext uri="{BB962C8B-B14F-4D97-AF65-F5344CB8AC3E}">
-        <p14:creationId xmlns:p14="http://schemas.microsoft.com/office/powerpoint/2010/main" val="949437705"/>
+        <p14:creationId xmlns:p14="http://schemas.microsoft.com/office/powerpoint/2010/main" val="2207699002"/>
       </p:ext>
     </p:extLst>
   </p:cSld>
@@ -13208,10 +13304,94 @@
           <a:chExt cx="0" cy="0"/>
         </a:xfrm>
       </p:grpSpPr>
+      <p:sp>
+        <p:nvSpPr>
+          <p:cNvPr id="2" name="Title 1">
+            <a:extLst>
+              <a:ext uri="{FF2B5EF4-FFF2-40B4-BE49-F238E27FC236}">
+                <a16:creationId xmlns:a16="http://schemas.microsoft.com/office/drawing/2014/main" id="{6CE12171-3B1E-294E-9A1F-4AB7639ADA99}"/>
+              </a:ext>
+            </a:extLst>
+          </p:cNvPr>
+          <p:cNvSpPr>
+            <a:spLocks noGrp="1"/>
+          </p:cNvSpPr>
+          <p:nvPr>
+            <p:ph type="title"/>
+          </p:nvPr>
+        </p:nvSpPr>
+        <p:spPr>
+          <a:xfrm>
+            <a:off x="1141413" y="618518"/>
+            <a:ext cx="9905998" cy="771370"/>
+          </a:xfrm>
+        </p:spPr>
+        <p:txBody>
+          <a:bodyPr/>
+          <a:lstStyle/>
+          <a:p>
+            <a:r>
+              <a:rPr lang="en-US" dirty="0"/>
+              <a:t>Future Additions</a:t>
+            </a:r>
+          </a:p>
+        </p:txBody>
+      </p:sp>
+      <p:sp>
+        <p:nvSpPr>
+          <p:cNvPr id="3" name="Content Placeholder 2">
+            <a:extLst>
+              <a:ext uri="{FF2B5EF4-FFF2-40B4-BE49-F238E27FC236}">
+                <a16:creationId xmlns:a16="http://schemas.microsoft.com/office/drawing/2014/main" id="{475F9AED-9514-5C45-84E3-00D759924C1F}"/>
+              </a:ext>
+            </a:extLst>
+          </p:cNvPr>
+          <p:cNvSpPr>
+            <a:spLocks noGrp="1"/>
+          </p:cNvSpPr>
+          <p:nvPr>
+            <p:ph idx="1"/>
+          </p:nvPr>
+        </p:nvSpPr>
+        <p:spPr>
+          <a:xfrm>
+            <a:off x="1141412" y="1389888"/>
+            <a:ext cx="9905999" cy="4401313"/>
+          </a:xfrm>
+        </p:spPr>
+        <p:txBody>
+          <a:bodyPr/>
+          <a:lstStyle/>
+          <a:p>
+            <a:r>
+              <a:rPr lang="en-US" dirty="0"/>
+              <a:t>An additional version that lets you play with music clips and titles</a:t>
+            </a:r>
+          </a:p>
+          <a:p>
+            <a:r>
+              <a:rPr lang="en-US" dirty="0"/>
+              <a:t>A call history that lists what has been shown</a:t>
+            </a:r>
+          </a:p>
+          <a:p>
+            <a:r>
+              <a:rPr lang="en-US" dirty="0"/>
+              <a:t>An optional multiplayer version that could be in person or over network</a:t>
+            </a:r>
+          </a:p>
+          <a:p>
+            <a:r>
+              <a:rPr lang="en-US" dirty="0"/>
+              <a:t>A choice of color dauber</a:t>
+            </a:r>
+          </a:p>
+        </p:txBody>
+      </p:sp>
     </p:spTree>
     <p:extLst>
       <p:ext uri="{BB962C8B-B14F-4D97-AF65-F5344CB8AC3E}">
-        <p14:creationId xmlns:p14="http://schemas.microsoft.com/office/powerpoint/2010/main" val="2708582603"/>
+        <p14:creationId xmlns:p14="http://schemas.microsoft.com/office/powerpoint/2010/main" val="949437705"/>
       </p:ext>
     </p:extLst>
   </p:cSld>
